--- a/C/기초프로그래밍 프로젝트 진행 공지 ppt.pptx
+++ b/C/기초프로그래밍 프로젝트 진행 공지 ppt.pptx
@@ -5958,74 +5958,46 @@
           <a:lstStyle/>
           <a:p>
             <a:r>
-              <a:rPr lang="ko-KR" altLang="en-US" sz="1200" dirty="0" smtClean="0"/>
+              <a:rPr lang="ko-KR" altLang="en-US" sz="1100" dirty="0" smtClean="0"/>
               <a:t>프로젝트의 지향점을 정하여 방향대로 진행할 것</a:t>
             </a:r>
-            <a:endParaRPr lang="en-US" altLang="ko-KR" sz="1200" dirty="0" smtClean="0"/>
-          </a:p>
-          <a:p>
-            <a:r>
-              <a:rPr lang="ko-KR" altLang="en-US" sz="1200" dirty="0" smtClean="0"/>
+            <a:endParaRPr lang="en-US" altLang="ko-KR" sz="1100" dirty="0" smtClean="0"/>
+          </a:p>
+          <a:p>
+            <a:r>
+              <a:rPr lang="ko-KR" altLang="en-US" sz="1100" dirty="0" smtClean="0"/>
               <a:t>배운 내용을 집약한 결과물 제작</a:t>
             </a:r>
-            <a:endParaRPr lang="en-US" altLang="ko-KR" sz="1200" dirty="0" smtClean="0"/>
+            <a:endParaRPr lang="en-US" altLang="ko-KR" sz="1100" dirty="0" smtClean="0"/>
           </a:p>
           <a:p>
             <a:pPr lvl="1"/>
             <a:r>
-              <a:rPr lang="ko-KR" altLang="en-US" sz="1100" dirty="0" smtClean="0"/>
+              <a:rPr lang="ko-KR" altLang="en-US" sz="1050" dirty="0" smtClean="0"/>
               <a:t>프로그래밍 기본 문법 및 라이브러리 등</a:t>
             </a:r>
-            <a:endParaRPr lang="en-US" altLang="ko-KR" sz="1200" dirty="0" smtClean="0"/>
-          </a:p>
-          <a:p>
-            <a:r>
-              <a:rPr lang="ko-KR" altLang="en-US" sz="1200" b="1" dirty="0"/>
+            <a:endParaRPr lang="en-US" altLang="ko-KR" sz="1100" dirty="0" smtClean="0"/>
+          </a:p>
+          <a:p>
+            <a:r>
+              <a:rPr lang="ko-KR" altLang="en-US" sz="1100" b="1" dirty="0"/>
               <a:t>요구 명세서 </a:t>
             </a:r>
             <a:r>
-              <a:rPr lang="ko-KR" altLang="en-US" sz="1200" b="1" dirty="0" smtClean="0"/>
+              <a:rPr lang="ko-KR" altLang="en-US" sz="1100" b="1" dirty="0" smtClean="0"/>
               <a:t>및 회의록 작성 </a:t>
             </a:r>
             <a:r>
-              <a:rPr lang="ko-KR" altLang="en-US" sz="1200" b="1" dirty="0"/>
+              <a:rPr lang="ko-KR" altLang="en-US" sz="1100" b="1" dirty="0"/>
               <a:t>필요</a:t>
             </a:r>
             <a:r>
-              <a:rPr lang="en-US" altLang="ko-KR" sz="1200" b="1" dirty="0"/>
+              <a:rPr lang="en-US" altLang="ko-KR" sz="1100" b="1" dirty="0"/>
               <a:t>(</a:t>
             </a:r>
             <a:r>
-              <a:rPr lang="ko-KR" altLang="en-US" sz="1200" b="1" dirty="0"/>
+              <a:rPr lang="ko-KR" altLang="en-US" sz="1100" b="1" dirty="0"/>
               <a:t>양식 참조</a:t>
-            </a:r>
-            <a:r>
-              <a:rPr lang="en-US" altLang="ko-KR" sz="1200" b="1" dirty="0"/>
-              <a:t>)</a:t>
-            </a:r>
-            <a:endParaRPr lang="en-US" altLang="ko-KR" sz="1100" b="1" dirty="0"/>
-          </a:p>
-          <a:p>
-            <a:pPr lvl="1"/>
-            <a:r>
-              <a:rPr lang="ko-KR" altLang="en-US" sz="1100" b="1" dirty="0" smtClean="0"/>
-              <a:t>요구사항 명세서</a:t>
-            </a:r>
-            <a:r>
-              <a:rPr lang="en-US" altLang="ko-KR" sz="1100" b="1" dirty="0" smtClean="0"/>
-              <a:t>(</a:t>
-            </a:r>
-            <a:r>
-              <a:rPr lang="ko-KR" altLang="en-US" sz="1100" b="1" dirty="0" err="1" smtClean="0"/>
-              <a:t>예시자료</a:t>
-            </a:r>
-            <a:r>
-              <a:rPr lang="ko-KR" altLang="en-US" sz="1100" b="1" dirty="0" smtClean="0"/>
-              <a:t> </a:t>
-            </a:r>
-            <a:r>
-              <a:rPr lang="ko-KR" altLang="en-US" sz="1100" b="1" dirty="0"/>
-              <a:t>엑셀파일 참고</a:t>
             </a:r>
             <a:r>
               <a:rPr lang="en-US" altLang="ko-KR" sz="1100" b="1" dirty="0" smtClean="0"/>
@@ -6035,55 +6007,118 @@
           <a:p>
             <a:pPr lvl="1"/>
             <a:r>
+              <a:rPr lang="ko-KR" altLang="en-US" sz="1050" b="1" dirty="0"/>
+              <a:t>형상 관리 도구</a:t>
+            </a:r>
+            <a:r>
+              <a:rPr lang="en-US" altLang="ko-KR" sz="1050" b="1" dirty="0"/>
+              <a:t>(</a:t>
+            </a:r>
+            <a:r>
+              <a:rPr lang="en-US" altLang="ko-KR" sz="1050" b="1" dirty="0" err="1"/>
+              <a:t>Git</a:t>
+            </a:r>
+            <a:r>
+              <a:rPr lang="en-US" altLang="ko-KR" sz="1050" b="1" dirty="0"/>
+              <a:t>) </a:t>
+            </a:r>
+            <a:r>
+              <a:rPr lang="ko-KR" altLang="en-US" sz="1050" b="1" dirty="0"/>
+              <a:t>관련된 내용도 발표 자료에 포함시킬 것</a:t>
+            </a:r>
+            <a:endParaRPr lang="en-US" altLang="ko-KR" sz="1050" b="1" dirty="0"/>
+          </a:p>
+          <a:p>
+            <a:pPr lvl="1"/>
+            <a:r>
+              <a:rPr lang="ko-KR" altLang="en-US" sz="1050" b="1" dirty="0" smtClean="0"/>
+              <a:t>요구사항 명세서</a:t>
+            </a:r>
+            <a:r>
+              <a:rPr lang="en-US" altLang="ko-KR" sz="1050" b="1" dirty="0" smtClean="0"/>
+              <a:t>(</a:t>
+            </a:r>
+            <a:r>
+              <a:rPr lang="ko-KR" altLang="en-US" sz="1050" b="1" dirty="0" err="1" smtClean="0"/>
+              <a:t>예시자료</a:t>
+            </a:r>
+            <a:r>
+              <a:rPr lang="ko-KR" altLang="en-US" sz="1050" b="1" dirty="0" smtClean="0"/>
+              <a:t> </a:t>
+            </a:r>
+            <a:r>
+              <a:rPr lang="ko-KR" altLang="en-US" sz="1050" b="1" dirty="0"/>
+              <a:t>엑셀파일 참고</a:t>
+            </a:r>
+            <a:r>
+              <a:rPr lang="en-US" altLang="ko-KR" sz="1050" b="1" dirty="0" smtClean="0"/>
+              <a:t>)</a:t>
+            </a:r>
+          </a:p>
+          <a:p>
+            <a:pPr lvl="1"/>
+            <a:r>
+              <a:rPr lang="ko-KR" altLang="en-US" sz="1050" b="1" dirty="0" smtClean="0"/>
+              <a:t>회의한 사항을 간략하게 정리하여 한 번 이상 </a:t>
+            </a:r>
+            <a:r>
+              <a:rPr lang="en-US" altLang="ko-KR" sz="1050" b="1" dirty="0" smtClean="0"/>
+              <a:t>step</a:t>
+            </a:r>
+            <a:r>
+              <a:rPr lang="ko-KR" altLang="en-US" sz="1050" b="1" dirty="0"/>
+              <a:t> </a:t>
+            </a:r>
+            <a:r>
+              <a:rPr lang="ko-KR" altLang="en-US" sz="1050" b="1" dirty="0" smtClean="0"/>
+              <a:t>팀 프로젝트 게시판에 업로드 할 것</a:t>
+            </a:r>
+            <a:endParaRPr lang="en-US" altLang="ko-KR" sz="1050" dirty="0"/>
+          </a:p>
+          <a:p>
+            <a:r>
+              <a:rPr lang="ko-KR" altLang="en-US" sz="1100" dirty="0" smtClean="0"/>
+              <a:t>모든 구성원들이 빠짐없이 기여할 수 있도록 </a:t>
+            </a:r>
+            <a:r>
+              <a:rPr lang="ko-KR" altLang="en-US" sz="1100" dirty="0" smtClean="0"/>
+              <a:t>진행하며 자세한 내용은 </a:t>
+            </a:r>
+            <a:r>
+              <a:rPr lang="en-US" altLang="ko-KR" sz="1100" dirty="0" smtClean="0"/>
+              <a:t>kb.step.or.kr</a:t>
+            </a:r>
+            <a:r>
+              <a:rPr lang="ko-KR" altLang="en-US" sz="1100" dirty="0" smtClean="0"/>
+              <a:t>에서 확인</a:t>
+            </a:r>
+            <a:endParaRPr lang="en-US" altLang="ko-KR" sz="1100" dirty="0" smtClean="0"/>
+          </a:p>
+          <a:p>
+            <a:r>
+              <a:rPr lang="ko-KR" altLang="en-US" sz="1100" dirty="0" smtClean="0"/>
+              <a:t>다음 상황들을 </a:t>
+            </a:r>
+            <a:r>
               <a:rPr lang="ko-KR" altLang="en-US" sz="1100" b="1" dirty="0" smtClean="0"/>
-              <a:t>회의한 사항을 간략하게 정리하여 한 번 이상 </a:t>
-            </a:r>
-            <a:r>
-              <a:rPr lang="en-US" altLang="ko-KR" sz="1100" b="1" dirty="0" smtClean="0"/>
-              <a:t>step</a:t>
-            </a:r>
-            <a:r>
-              <a:rPr lang="ko-KR" altLang="en-US" sz="1100" b="1" dirty="0"/>
-              <a:t> </a:t>
-            </a:r>
-            <a:r>
-              <a:rPr lang="ko-KR" altLang="en-US" sz="1100" b="1" dirty="0" smtClean="0"/>
-              <a:t>팀 프로젝트 게시판에 업로드 할 것</a:t>
-            </a:r>
-            <a:endParaRPr lang="en-US" altLang="ko-KR" sz="1100" dirty="0"/>
-          </a:p>
-          <a:p>
-            <a:r>
-              <a:rPr lang="ko-KR" altLang="en-US" sz="1200" dirty="0" smtClean="0"/>
-              <a:t>모든 구성원들이 빠짐없이 기여할 수 있도록 진행</a:t>
-            </a:r>
-            <a:endParaRPr lang="en-US" altLang="ko-KR" sz="1200" dirty="0" smtClean="0"/>
-          </a:p>
-          <a:p>
-            <a:r>
-              <a:rPr lang="ko-KR" altLang="en-US" sz="1200" dirty="0" smtClean="0"/>
-              <a:t>다음 상황들을 </a:t>
-            </a:r>
-            <a:r>
-              <a:rPr lang="ko-KR" altLang="en-US" sz="1200" b="1" dirty="0" smtClean="0"/>
               <a:t>반드시</a:t>
             </a:r>
             <a:r>
-              <a:rPr lang="ko-KR" altLang="en-US" sz="1200" dirty="0" smtClean="0"/>
+              <a:rPr lang="ko-KR" altLang="en-US" sz="1100" dirty="0" smtClean="0"/>
               <a:t> 고려할 것</a:t>
             </a:r>
-            <a:endParaRPr lang="en-US" altLang="ko-KR" sz="1200" dirty="0" smtClean="0"/>
+            <a:endParaRPr lang="en-US" altLang="ko-KR" sz="1100" dirty="0" smtClean="0"/>
           </a:p>
           <a:p>
             <a:pPr marL="457200" lvl="1" indent="0">
               <a:buNone/>
             </a:pPr>
             <a:r>
-              <a:rPr lang="en-US" altLang="ko-KR" sz="1100" dirty="0"/>
+              <a:rPr lang="en-US" altLang="ko-KR" sz="1050" dirty="0"/>
               <a:t>1. </a:t>
             </a:r>
             <a:r>
-              <a:rPr lang="ko-KR" altLang="en-US" sz="1100" dirty="0"/>
+              <a:rPr lang="ko-KR" altLang="en-US" sz="1050" dirty="0"/>
               <a:t>프로젝트 개요</a:t>
             </a:r>
           </a:p>
@@ -6092,11 +6127,11 @@
               <a:buNone/>
             </a:pPr>
             <a:r>
-              <a:rPr lang="en-US" altLang="ko-KR" sz="1100" dirty="0" smtClean="0"/>
+              <a:rPr lang="en-US" altLang="ko-KR" sz="1050" dirty="0" smtClean="0"/>
               <a:t>2. </a:t>
             </a:r>
             <a:r>
-              <a:rPr lang="ko-KR" altLang="en-US" sz="1100" dirty="0"/>
+              <a:rPr lang="ko-KR" altLang="en-US" sz="1050" dirty="0"/>
               <a:t>팀 구성원 역할 소개</a:t>
             </a:r>
           </a:p>
@@ -6105,57 +6140,57 @@
               <a:buNone/>
             </a:pPr>
             <a:r>
-              <a:rPr lang="en-US" altLang="ko-KR" sz="1100" dirty="0"/>
+              <a:rPr lang="en-US" altLang="ko-KR" sz="1050" dirty="0"/>
               <a:t>3. </a:t>
             </a:r>
             <a:r>
-              <a:rPr lang="ko-KR" altLang="en-US" sz="1100" dirty="0"/>
+              <a:rPr lang="ko-KR" altLang="en-US" sz="1050" dirty="0"/>
               <a:t>프로젝트 </a:t>
             </a:r>
             <a:r>
-              <a:rPr lang="ko-KR" altLang="en-US" sz="1100" dirty="0" err="1"/>
+              <a:rPr lang="ko-KR" altLang="en-US" sz="1050" dirty="0" err="1"/>
               <a:t>수행절차</a:t>
             </a:r>
-            <a:endParaRPr lang="ko-KR" altLang="en-US" sz="1100" dirty="0"/>
+            <a:endParaRPr lang="ko-KR" altLang="en-US" sz="1050" dirty="0"/>
           </a:p>
           <a:p>
             <a:pPr marL="457200" lvl="1" indent="0">
               <a:buNone/>
             </a:pPr>
             <a:r>
-              <a:rPr lang="en-US" altLang="ko-KR" sz="1100" dirty="0"/>
+              <a:rPr lang="en-US" altLang="ko-KR" sz="1050" dirty="0"/>
               <a:t>4. </a:t>
             </a:r>
             <a:r>
-              <a:rPr lang="ko-KR" altLang="en-US" sz="1100" dirty="0"/>
+              <a:rPr lang="ko-KR" altLang="en-US" sz="1050" dirty="0"/>
               <a:t>프로젝트 </a:t>
             </a:r>
             <a:r>
-              <a:rPr lang="ko-KR" altLang="en-US" sz="1100" dirty="0" err="1"/>
+              <a:rPr lang="ko-KR" altLang="en-US" sz="1050" dirty="0" err="1"/>
               <a:t>수행결과</a:t>
             </a:r>
-            <a:endParaRPr lang="ko-KR" altLang="en-US" sz="1100" dirty="0"/>
+            <a:endParaRPr lang="ko-KR" altLang="en-US" sz="1050" dirty="0"/>
           </a:p>
           <a:p>
             <a:pPr marL="457200" lvl="1" indent="0">
               <a:buNone/>
             </a:pPr>
             <a:r>
-              <a:rPr lang="en-US" altLang="ko-KR" sz="1100" dirty="0"/>
+              <a:rPr lang="en-US" altLang="ko-KR" sz="1050" dirty="0"/>
               <a:t>5. </a:t>
             </a:r>
             <a:r>
-              <a:rPr lang="ko-KR" altLang="en-US" sz="1100" dirty="0"/>
+              <a:rPr lang="ko-KR" altLang="en-US" sz="1050" dirty="0"/>
               <a:t>자체 </a:t>
             </a:r>
             <a:r>
-              <a:rPr lang="ko-KR" altLang="en-US" sz="1100" dirty="0" err="1"/>
+              <a:rPr lang="ko-KR" altLang="en-US" sz="1050" dirty="0" err="1"/>
               <a:t>평가의견</a:t>
             </a:r>
-            <a:endParaRPr lang="ko-KR" altLang="en-US" sz="1100" dirty="0"/>
-          </a:p>
-          <a:p>
-            <a:endParaRPr lang="en-US" altLang="ko-KR" sz="1200" dirty="0" smtClean="0"/>
+            <a:endParaRPr lang="ko-KR" altLang="en-US" sz="1050" dirty="0"/>
+          </a:p>
+          <a:p>
+            <a:endParaRPr lang="en-US" altLang="ko-KR" sz="1100" dirty="0" smtClean="0"/>
           </a:p>
         </p:txBody>
       </p:sp>
